--- a/p01/Basics.pptx
+++ b/p01/Basics.pptx
@@ -262,7 +262,7 @@
           <a:p>
             <a:fld id="{EB9EE409-306F-456A-AEE9-92A13D143AD6}" type="datetimeFigureOut">
               <a:rPr lang="en-US" smtClean="0"/>
-              <a:t>10/19/2024</a:t>
+              <a:t>10/26/2024</a:t>
             </a:fld>
             <a:endParaRPr lang="en-US"/>
           </a:p>
@@ -460,7 +460,7 @@
           <a:p>
             <a:fld id="{EB9EE409-306F-456A-AEE9-92A13D143AD6}" type="datetimeFigureOut">
               <a:rPr lang="en-US" smtClean="0"/>
-              <a:t>10/19/2024</a:t>
+              <a:t>10/26/2024</a:t>
             </a:fld>
             <a:endParaRPr lang="en-US"/>
           </a:p>
@@ -668,7 +668,7 @@
           <a:p>
             <a:fld id="{EB9EE409-306F-456A-AEE9-92A13D143AD6}" type="datetimeFigureOut">
               <a:rPr lang="en-US" smtClean="0"/>
-              <a:t>10/19/2024</a:t>
+              <a:t>10/26/2024</a:t>
             </a:fld>
             <a:endParaRPr lang="en-US"/>
           </a:p>
@@ -866,7 +866,7 @@
           <a:p>
             <a:fld id="{EB9EE409-306F-456A-AEE9-92A13D143AD6}" type="datetimeFigureOut">
               <a:rPr lang="en-US" smtClean="0"/>
-              <a:t>10/19/2024</a:t>
+              <a:t>10/26/2024</a:t>
             </a:fld>
             <a:endParaRPr lang="en-US"/>
           </a:p>
@@ -1141,7 +1141,7 @@
           <a:p>
             <a:fld id="{EB9EE409-306F-456A-AEE9-92A13D143AD6}" type="datetimeFigureOut">
               <a:rPr lang="en-US" smtClean="0"/>
-              <a:t>10/19/2024</a:t>
+              <a:t>10/26/2024</a:t>
             </a:fld>
             <a:endParaRPr lang="en-US"/>
           </a:p>
@@ -1406,7 +1406,7 @@
           <a:p>
             <a:fld id="{EB9EE409-306F-456A-AEE9-92A13D143AD6}" type="datetimeFigureOut">
               <a:rPr lang="en-US" smtClean="0"/>
-              <a:t>10/19/2024</a:t>
+              <a:t>10/26/2024</a:t>
             </a:fld>
             <a:endParaRPr lang="en-US"/>
           </a:p>
@@ -1818,7 +1818,7 @@
           <a:p>
             <a:fld id="{EB9EE409-306F-456A-AEE9-92A13D143AD6}" type="datetimeFigureOut">
               <a:rPr lang="en-US" smtClean="0"/>
-              <a:t>10/19/2024</a:t>
+              <a:t>10/26/2024</a:t>
             </a:fld>
             <a:endParaRPr lang="en-US"/>
           </a:p>
@@ -1959,7 +1959,7 @@
           <a:p>
             <a:fld id="{EB9EE409-306F-456A-AEE9-92A13D143AD6}" type="datetimeFigureOut">
               <a:rPr lang="en-US" smtClean="0"/>
-              <a:t>10/19/2024</a:t>
+              <a:t>10/26/2024</a:t>
             </a:fld>
             <a:endParaRPr lang="en-US"/>
           </a:p>
@@ -2072,7 +2072,7 @@
           <a:p>
             <a:fld id="{EB9EE409-306F-456A-AEE9-92A13D143AD6}" type="datetimeFigureOut">
               <a:rPr lang="en-US" smtClean="0"/>
-              <a:t>10/19/2024</a:t>
+              <a:t>10/26/2024</a:t>
             </a:fld>
             <a:endParaRPr lang="en-US"/>
           </a:p>
@@ -2383,7 +2383,7 @@
           <a:p>
             <a:fld id="{EB9EE409-306F-456A-AEE9-92A13D143AD6}" type="datetimeFigureOut">
               <a:rPr lang="en-US" smtClean="0"/>
-              <a:t>10/19/2024</a:t>
+              <a:t>10/26/2024</a:t>
             </a:fld>
             <a:endParaRPr lang="en-US"/>
           </a:p>
@@ -2671,7 +2671,7 @@
           <a:p>
             <a:fld id="{EB9EE409-306F-456A-AEE9-92A13D143AD6}" type="datetimeFigureOut">
               <a:rPr lang="en-US" smtClean="0"/>
-              <a:t>10/19/2024</a:t>
+              <a:t>10/26/2024</a:t>
             </a:fld>
             <a:endParaRPr lang="en-US"/>
           </a:p>
@@ -2912,7 +2912,7 @@
           <a:p>
             <a:fld id="{EB9EE409-306F-456A-AEE9-92A13D143AD6}" type="datetimeFigureOut">
               <a:rPr lang="en-US" smtClean="0"/>
-              <a:t>10/19/2024</a:t>
+              <a:t>10/26/2024</a:t>
             </a:fld>
             <a:endParaRPr lang="en-US"/>
           </a:p>
@@ -3468,7 +3468,7 @@
               <a:rPr lang="en-US" dirty="0">
                 <a:hlinkClick r:id="rId2"/>
               </a:rPr>
-              <a:t>https://github.com/wonder-phil/UEMCON-2024</a:t>
+              <a:t>https://github.com/wonder-phil/IEMCON-2024</a:t>
             </a:r>
             <a:r>
               <a:rPr lang="en-US" dirty="0"/>
@@ -3504,7 +3504,7 @@
                 </a:solidFill>
                 <a:hlinkClick r:id="rId3"/>
               </a:rPr>
-              <a:t>https://github.com/wonder-phil/UEMCON-2024.git</a:t>
+              <a:t>https://github.com/wonder-phil/IEMCON-2024.git</a:t>
             </a:r>
             <a:endParaRPr lang="en-US" dirty="0">
               <a:solidFill>

--- a/p01/Basics.pptx
+++ b/p01/Basics.pptx
@@ -262,7 +262,7 @@
           <a:p>
             <a:fld id="{EB9EE409-306F-456A-AEE9-92A13D143AD6}" type="datetimeFigureOut">
               <a:rPr lang="en-US" smtClean="0"/>
-              <a:t>10/26/2024</a:t>
+              <a:t>5/19/2025</a:t>
             </a:fld>
             <a:endParaRPr lang="en-US"/>
           </a:p>
@@ -460,7 +460,7 @@
           <a:p>
             <a:fld id="{EB9EE409-306F-456A-AEE9-92A13D143AD6}" type="datetimeFigureOut">
               <a:rPr lang="en-US" smtClean="0"/>
-              <a:t>10/26/2024</a:t>
+              <a:t>5/19/2025</a:t>
             </a:fld>
             <a:endParaRPr lang="en-US"/>
           </a:p>
@@ -668,7 +668,7 @@
           <a:p>
             <a:fld id="{EB9EE409-306F-456A-AEE9-92A13D143AD6}" type="datetimeFigureOut">
               <a:rPr lang="en-US" smtClean="0"/>
-              <a:t>10/26/2024</a:t>
+              <a:t>5/19/2025</a:t>
             </a:fld>
             <a:endParaRPr lang="en-US"/>
           </a:p>
@@ -866,7 +866,7 @@
           <a:p>
             <a:fld id="{EB9EE409-306F-456A-AEE9-92A13D143AD6}" type="datetimeFigureOut">
               <a:rPr lang="en-US" smtClean="0"/>
-              <a:t>10/26/2024</a:t>
+              <a:t>5/19/2025</a:t>
             </a:fld>
             <a:endParaRPr lang="en-US"/>
           </a:p>
@@ -1141,7 +1141,7 @@
           <a:p>
             <a:fld id="{EB9EE409-306F-456A-AEE9-92A13D143AD6}" type="datetimeFigureOut">
               <a:rPr lang="en-US" smtClean="0"/>
-              <a:t>10/26/2024</a:t>
+              <a:t>5/19/2025</a:t>
             </a:fld>
             <a:endParaRPr lang="en-US"/>
           </a:p>
@@ -1406,7 +1406,7 @@
           <a:p>
             <a:fld id="{EB9EE409-306F-456A-AEE9-92A13D143AD6}" type="datetimeFigureOut">
               <a:rPr lang="en-US" smtClean="0"/>
-              <a:t>10/26/2024</a:t>
+              <a:t>5/19/2025</a:t>
             </a:fld>
             <a:endParaRPr lang="en-US"/>
           </a:p>
@@ -1818,7 +1818,7 @@
           <a:p>
             <a:fld id="{EB9EE409-306F-456A-AEE9-92A13D143AD6}" type="datetimeFigureOut">
               <a:rPr lang="en-US" smtClean="0"/>
-              <a:t>10/26/2024</a:t>
+              <a:t>5/19/2025</a:t>
             </a:fld>
             <a:endParaRPr lang="en-US"/>
           </a:p>
@@ -1959,7 +1959,7 @@
           <a:p>
             <a:fld id="{EB9EE409-306F-456A-AEE9-92A13D143AD6}" type="datetimeFigureOut">
               <a:rPr lang="en-US" smtClean="0"/>
-              <a:t>10/26/2024</a:t>
+              <a:t>5/19/2025</a:t>
             </a:fld>
             <a:endParaRPr lang="en-US"/>
           </a:p>
@@ -2072,7 +2072,7 @@
           <a:p>
             <a:fld id="{EB9EE409-306F-456A-AEE9-92A13D143AD6}" type="datetimeFigureOut">
               <a:rPr lang="en-US" smtClean="0"/>
-              <a:t>10/26/2024</a:t>
+              <a:t>5/19/2025</a:t>
             </a:fld>
             <a:endParaRPr lang="en-US"/>
           </a:p>
@@ -2383,7 +2383,7 @@
           <a:p>
             <a:fld id="{EB9EE409-306F-456A-AEE9-92A13D143AD6}" type="datetimeFigureOut">
               <a:rPr lang="en-US" smtClean="0"/>
-              <a:t>10/26/2024</a:t>
+              <a:t>5/19/2025</a:t>
             </a:fld>
             <a:endParaRPr lang="en-US"/>
           </a:p>
@@ -2671,7 +2671,7 @@
           <a:p>
             <a:fld id="{EB9EE409-306F-456A-AEE9-92A13D143AD6}" type="datetimeFigureOut">
               <a:rPr lang="en-US" smtClean="0"/>
-              <a:t>10/26/2024</a:t>
+              <a:t>5/19/2025</a:t>
             </a:fld>
             <a:endParaRPr lang="en-US"/>
           </a:p>
@@ -2912,7 +2912,7 @@
           <a:p>
             <a:fld id="{EB9EE409-306F-456A-AEE9-92A13D143AD6}" type="datetimeFigureOut">
               <a:rPr lang="en-US" smtClean="0"/>
-              <a:t>10/26/2024</a:t>
+              <a:t>5/19/2025</a:t>
             </a:fld>
             <a:endParaRPr lang="en-US"/>
           </a:p>
@@ -3468,12 +3468,9 @@
               <a:rPr lang="en-US" dirty="0">
                 <a:hlinkClick r:id="rId2"/>
               </a:rPr>
-              <a:t>https://github.com/wonder-phil/IEMCON-2024</a:t>
-            </a:r>
-            <a:r>
-              <a:rPr lang="en-US" dirty="0"/>
-              <a:t> </a:t>
-            </a:r>
+              <a:t>https://github.com/wonder-phil/AI-IoT-2025</a:t>
+            </a:r>
+            <a:endParaRPr lang="en-US" dirty="0"/>
           </a:p>
           <a:p>
             <a:pPr marL="0" indent="0">
@@ -3499,18 +3496,11 @@
             </a:r>
             <a:r>
               <a:rPr lang="en-US" dirty="0">
-                <a:solidFill>
-                  <a:srgbClr val="FF0000"/>
-                </a:solidFill>
-                <a:hlinkClick r:id="rId3"/>
+                <a:hlinkClick r:id="rId2"/>
               </a:rPr>
-              <a:t>https://github.com/wonder-phil/IEMCON-2024.git</a:t>
-            </a:r>
-            <a:endParaRPr lang="en-US" dirty="0">
-              <a:solidFill>
-                <a:srgbClr val="FF0000"/>
-              </a:solidFill>
-            </a:endParaRPr>
+              <a:t>https://github.com/wonder-phil/AI-IoT-2025</a:t>
+            </a:r>
+            <a:endParaRPr lang="en-US" dirty="0"/>
           </a:p>
           <a:p>
             <a:pPr marL="0" indent="0">
@@ -3526,12 +3516,22 @@
             <a:pPr marL="0" indent="0">
               <a:buNone/>
             </a:pPr>
+            <a:endParaRPr lang="en-US" dirty="0">
+              <a:solidFill>
+                <a:srgbClr val="FF0000"/>
+              </a:solidFill>
+            </a:endParaRPr>
+          </a:p>
+          <a:p>
+            <a:pPr marL="0" indent="0">
+              <a:buNone/>
+            </a:pPr>
             <a:r>
               <a:rPr lang="en-US" dirty="0">
                 <a:solidFill>
                   <a:srgbClr val="FF0000"/>
                 </a:solidFill>
-                <a:hlinkClick r:id="rId4"/>
+                <a:hlinkClick r:id="rId3"/>
               </a:rPr>
               <a:t>https://glitch.com/</a:t>
             </a:r>

--- a/p01/Basics.pptx
+++ b/p01/Basics.pptx
@@ -262,7 +262,7 @@
           <a:p>
             <a:fld id="{EB9EE409-306F-456A-AEE9-92A13D143AD6}" type="datetimeFigureOut">
               <a:rPr lang="en-US" smtClean="0"/>
-              <a:t>5/19/2025</a:t>
+              <a:t>10/22/2025</a:t>
             </a:fld>
             <a:endParaRPr lang="en-US"/>
           </a:p>
@@ -460,7 +460,7 @@
           <a:p>
             <a:fld id="{EB9EE409-306F-456A-AEE9-92A13D143AD6}" type="datetimeFigureOut">
               <a:rPr lang="en-US" smtClean="0"/>
-              <a:t>5/19/2025</a:t>
+              <a:t>10/22/2025</a:t>
             </a:fld>
             <a:endParaRPr lang="en-US"/>
           </a:p>
@@ -668,7 +668,7 @@
           <a:p>
             <a:fld id="{EB9EE409-306F-456A-AEE9-92A13D143AD6}" type="datetimeFigureOut">
               <a:rPr lang="en-US" smtClean="0"/>
-              <a:t>5/19/2025</a:t>
+              <a:t>10/22/2025</a:t>
             </a:fld>
             <a:endParaRPr lang="en-US"/>
           </a:p>
@@ -866,7 +866,7 @@
           <a:p>
             <a:fld id="{EB9EE409-306F-456A-AEE9-92A13D143AD6}" type="datetimeFigureOut">
               <a:rPr lang="en-US" smtClean="0"/>
-              <a:t>5/19/2025</a:t>
+              <a:t>10/22/2025</a:t>
             </a:fld>
             <a:endParaRPr lang="en-US"/>
           </a:p>
@@ -1141,7 +1141,7 @@
           <a:p>
             <a:fld id="{EB9EE409-306F-456A-AEE9-92A13D143AD6}" type="datetimeFigureOut">
               <a:rPr lang="en-US" smtClean="0"/>
-              <a:t>5/19/2025</a:t>
+              <a:t>10/22/2025</a:t>
             </a:fld>
             <a:endParaRPr lang="en-US"/>
           </a:p>
@@ -1406,7 +1406,7 @@
           <a:p>
             <a:fld id="{EB9EE409-306F-456A-AEE9-92A13D143AD6}" type="datetimeFigureOut">
               <a:rPr lang="en-US" smtClean="0"/>
-              <a:t>5/19/2025</a:t>
+              <a:t>10/22/2025</a:t>
             </a:fld>
             <a:endParaRPr lang="en-US"/>
           </a:p>
@@ -1818,7 +1818,7 @@
           <a:p>
             <a:fld id="{EB9EE409-306F-456A-AEE9-92A13D143AD6}" type="datetimeFigureOut">
               <a:rPr lang="en-US" smtClean="0"/>
-              <a:t>5/19/2025</a:t>
+              <a:t>10/22/2025</a:t>
             </a:fld>
             <a:endParaRPr lang="en-US"/>
           </a:p>
@@ -1959,7 +1959,7 @@
           <a:p>
             <a:fld id="{EB9EE409-306F-456A-AEE9-92A13D143AD6}" type="datetimeFigureOut">
               <a:rPr lang="en-US" smtClean="0"/>
-              <a:t>5/19/2025</a:t>
+              <a:t>10/22/2025</a:t>
             </a:fld>
             <a:endParaRPr lang="en-US"/>
           </a:p>
@@ -2072,7 +2072,7 @@
           <a:p>
             <a:fld id="{EB9EE409-306F-456A-AEE9-92A13D143AD6}" type="datetimeFigureOut">
               <a:rPr lang="en-US" smtClean="0"/>
-              <a:t>5/19/2025</a:t>
+              <a:t>10/22/2025</a:t>
             </a:fld>
             <a:endParaRPr lang="en-US"/>
           </a:p>
@@ -2383,7 +2383,7 @@
           <a:p>
             <a:fld id="{EB9EE409-306F-456A-AEE9-92A13D143AD6}" type="datetimeFigureOut">
               <a:rPr lang="en-US" smtClean="0"/>
-              <a:t>5/19/2025</a:t>
+              <a:t>10/22/2025</a:t>
             </a:fld>
             <a:endParaRPr lang="en-US"/>
           </a:p>
@@ -2671,7 +2671,7 @@
           <a:p>
             <a:fld id="{EB9EE409-306F-456A-AEE9-92A13D143AD6}" type="datetimeFigureOut">
               <a:rPr lang="en-US" smtClean="0"/>
-              <a:t>5/19/2025</a:t>
+              <a:t>10/22/2025</a:t>
             </a:fld>
             <a:endParaRPr lang="en-US"/>
           </a:p>
@@ -2912,7 +2912,7 @@
           <a:p>
             <a:fld id="{EB9EE409-306F-456A-AEE9-92A13D143AD6}" type="datetimeFigureOut">
               <a:rPr lang="en-US" smtClean="0"/>
-              <a:t>5/19/2025</a:t>
+              <a:t>10/22/2025</a:t>
             </a:fld>
             <a:endParaRPr lang="en-US"/>
           </a:p>
@@ -3347,7 +3347,9 @@
         </p:nvSpPr>
         <p:spPr/>
         <p:txBody>
-          <a:bodyPr/>
+          <a:bodyPr>
+            <a:normAutofit fontScale="90000"/>
+          </a:bodyPr>
           <a:lstStyle/>
           <a:p>
             <a:r>
@@ -3357,7 +3359,82 @@
             <a:br>
               <a:rPr lang="en-US" dirty="0"/>
             </a:br>
-            <a:endParaRPr lang="en-US" dirty="0"/>
+            <a:r>
+              <a:rPr lang="en-US" dirty="0"/>
+              <a:t>AI-IoT Tutorial</a:t>
+            </a:r>
+            <a:br>
+              <a:rPr lang="en-US" dirty="0"/>
+            </a:br>
+            <a:r>
+              <a:rPr lang="en-US" dirty="0"/>
+              <a:t>UEMCON</a:t>
+            </a:r>
+          </a:p>
+        </p:txBody>
+      </p:sp>
+      <p:sp>
+        <p:nvSpPr>
+          <p:cNvPr id="3" name="Title 1">
+            <a:extLst>
+              <a:ext uri="{FF2B5EF4-FFF2-40B4-BE49-F238E27FC236}">
+                <a16:creationId xmlns:a16="http://schemas.microsoft.com/office/drawing/2014/main" id="{FAF40EF5-5336-6B06-4A0E-C2DF610C0F00}"/>
+              </a:ext>
+            </a:extLst>
+          </p:cNvPr>
+          <p:cNvSpPr txBox="1">
+            <a:spLocks/>
+          </p:cNvSpPr>
+          <p:nvPr/>
+        </p:nvSpPr>
+        <p:spPr>
+          <a:xfrm>
+            <a:off x="1524000" y="3509963"/>
+            <a:ext cx="9144000" cy="2387600"/>
+          </a:xfrm>
+          <a:prstGeom prst="rect">
+            <a:avLst/>
+          </a:prstGeom>
+        </p:spPr>
+        <p:txBody>
+          <a:bodyPr vert="horz" lIns="91440" tIns="45720" rIns="91440" bIns="45720" rtlCol="0" anchor="b">
+            <a:normAutofit/>
+          </a:bodyPr>
+          <a:lstStyle>
+            <a:lvl1pPr algn="ctr" defTabSz="914400" rtl="0" eaLnBrk="1" latinLnBrk="0" hangingPunct="1">
+              <a:lnSpc>
+                <a:spcPct val="90000"/>
+              </a:lnSpc>
+              <a:spcBef>
+                <a:spcPct val="0"/>
+              </a:spcBef>
+              <a:buNone/>
+              <a:defRPr sz="6000" kern="1200">
+                <a:solidFill>
+                  <a:schemeClr val="tx1"/>
+                </a:solidFill>
+                <a:latin typeface="+mj-lt"/>
+                <a:ea typeface="+mj-ea"/>
+                <a:cs typeface="+mj-cs"/>
+              </a:defRPr>
+            </a:lvl1pPr>
+          </a:lstStyle>
+          <a:p>
+            <a:br>
+              <a:rPr lang="en-US" sz="4400" dirty="0">
+                <a:solidFill>
+                  <a:srgbClr val="0070C0"/>
+                </a:solidFill>
+              </a:rPr>
+            </a:br>
+            <a:r>
+              <a:rPr lang="en-US" sz="4400" dirty="0">
+                <a:solidFill>
+                  <a:srgbClr val="0070C0"/>
+                </a:solidFill>
+              </a:rPr>
+              <a:t>Phillip G. Bradford</a:t>
+            </a:r>
           </a:p>
         </p:txBody>
       </p:sp>
@@ -3468,7 +3545,7 @@
               <a:rPr lang="en-US" dirty="0">
                 <a:hlinkClick r:id="rId2"/>
               </a:rPr>
-              <a:t>https://github.com/wonder-phil/AI-IoT-2025</a:t>
+              <a:t>https://github.com/wonder-phil/UEMCON-2025</a:t>
             </a:r>
             <a:endParaRPr lang="en-US" dirty="0"/>
           </a:p>
@@ -3496,9 +3573,9 @@
             </a:r>
             <a:r>
               <a:rPr lang="en-US" dirty="0">
-                <a:hlinkClick r:id="rId2"/>
+                <a:hlinkClick r:id="rId3"/>
               </a:rPr>
-              <a:t>https://github.com/wonder-phil/AI-IoT-2025</a:t>
+              <a:t>https://github.com/wonder-phil/UEMCON-2025</a:t>
             </a:r>
             <a:endParaRPr lang="en-US" dirty="0"/>
           </a:p>
@@ -3531,7 +3608,7 @@
                 <a:solidFill>
                   <a:srgbClr val="FF0000"/>
                 </a:solidFill>
-                <a:hlinkClick r:id="rId3"/>
+                <a:hlinkClick r:id="rId4"/>
               </a:rPr>
               <a:t>https://glitch.com/</a:t>
             </a:r>

--- a/p01/Basics.pptx
+++ b/p01/Basics.pptx
@@ -7,8 +7,9 @@
   <p:sldIdLst>
     <p:sldId id="256" r:id="rId2"/>
     <p:sldId id="259" r:id="rId3"/>
-    <p:sldId id="257" r:id="rId4"/>
-    <p:sldId id="258" r:id="rId5"/>
+    <p:sldId id="260" r:id="rId4"/>
+    <p:sldId id="257" r:id="rId5"/>
+    <p:sldId id="258" r:id="rId6"/>
   </p:sldIdLst>
   <p:sldSz cx="12192000" cy="6858000"/>
   <p:notesSz cx="6858000" cy="9144000"/>
@@ -262,7 +263,7 @@
           <a:p>
             <a:fld id="{EB9EE409-306F-456A-AEE9-92A13D143AD6}" type="datetimeFigureOut">
               <a:rPr lang="en-US" smtClean="0"/>
-              <a:t>10/22/2025</a:t>
+              <a:t>10/24/2025</a:t>
             </a:fld>
             <a:endParaRPr lang="en-US"/>
           </a:p>
@@ -460,7 +461,7 @@
           <a:p>
             <a:fld id="{EB9EE409-306F-456A-AEE9-92A13D143AD6}" type="datetimeFigureOut">
               <a:rPr lang="en-US" smtClean="0"/>
-              <a:t>10/22/2025</a:t>
+              <a:t>10/24/2025</a:t>
             </a:fld>
             <a:endParaRPr lang="en-US"/>
           </a:p>
@@ -668,7 +669,7 @@
           <a:p>
             <a:fld id="{EB9EE409-306F-456A-AEE9-92A13D143AD6}" type="datetimeFigureOut">
               <a:rPr lang="en-US" smtClean="0"/>
-              <a:t>10/22/2025</a:t>
+              <a:t>10/24/2025</a:t>
             </a:fld>
             <a:endParaRPr lang="en-US"/>
           </a:p>
@@ -866,7 +867,7 @@
           <a:p>
             <a:fld id="{EB9EE409-306F-456A-AEE9-92A13D143AD6}" type="datetimeFigureOut">
               <a:rPr lang="en-US" smtClean="0"/>
-              <a:t>10/22/2025</a:t>
+              <a:t>10/24/2025</a:t>
             </a:fld>
             <a:endParaRPr lang="en-US"/>
           </a:p>
@@ -1141,7 +1142,7 @@
           <a:p>
             <a:fld id="{EB9EE409-306F-456A-AEE9-92A13D143AD6}" type="datetimeFigureOut">
               <a:rPr lang="en-US" smtClean="0"/>
-              <a:t>10/22/2025</a:t>
+              <a:t>10/24/2025</a:t>
             </a:fld>
             <a:endParaRPr lang="en-US"/>
           </a:p>
@@ -1406,7 +1407,7 @@
           <a:p>
             <a:fld id="{EB9EE409-306F-456A-AEE9-92A13D143AD6}" type="datetimeFigureOut">
               <a:rPr lang="en-US" smtClean="0"/>
-              <a:t>10/22/2025</a:t>
+              <a:t>10/24/2025</a:t>
             </a:fld>
             <a:endParaRPr lang="en-US"/>
           </a:p>
@@ -1818,7 +1819,7 @@
           <a:p>
             <a:fld id="{EB9EE409-306F-456A-AEE9-92A13D143AD6}" type="datetimeFigureOut">
               <a:rPr lang="en-US" smtClean="0"/>
-              <a:t>10/22/2025</a:t>
+              <a:t>10/24/2025</a:t>
             </a:fld>
             <a:endParaRPr lang="en-US"/>
           </a:p>
@@ -1959,7 +1960,7 @@
           <a:p>
             <a:fld id="{EB9EE409-306F-456A-AEE9-92A13D143AD6}" type="datetimeFigureOut">
               <a:rPr lang="en-US" smtClean="0"/>
-              <a:t>10/22/2025</a:t>
+              <a:t>10/24/2025</a:t>
             </a:fld>
             <a:endParaRPr lang="en-US"/>
           </a:p>
@@ -2072,7 +2073,7 @@
           <a:p>
             <a:fld id="{EB9EE409-306F-456A-AEE9-92A13D143AD6}" type="datetimeFigureOut">
               <a:rPr lang="en-US" smtClean="0"/>
-              <a:t>10/22/2025</a:t>
+              <a:t>10/24/2025</a:t>
             </a:fld>
             <a:endParaRPr lang="en-US"/>
           </a:p>
@@ -2383,7 +2384,7 @@
           <a:p>
             <a:fld id="{EB9EE409-306F-456A-AEE9-92A13D143AD6}" type="datetimeFigureOut">
               <a:rPr lang="en-US" smtClean="0"/>
-              <a:t>10/22/2025</a:t>
+              <a:t>10/24/2025</a:t>
             </a:fld>
             <a:endParaRPr lang="en-US"/>
           </a:p>
@@ -2671,7 +2672,7 @@
           <a:p>
             <a:fld id="{EB9EE409-306F-456A-AEE9-92A13D143AD6}" type="datetimeFigureOut">
               <a:rPr lang="en-US" smtClean="0"/>
-              <a:t>10/22/2025</a:t>
+              <a:t>10/24/2025</a:t>
             </a:fld>
             <a:endParaRPr lang="en-US"/>
           </a:p>
@@ -2912,7 +2913,7 @@
           <a:p>
             <a:fld id="{EB9EE409-306F-456A-AEE9-92A13D143AD6}" type="datetimeFigureOut">
               <a:rPr lang="en-US" smtClean="0"/>
-              <a:t>10/22/2025</a:t>
+              <a:t>10/24/2025</a:t>
             </a:fld>
             <a:endParaRPr lang="en-US"/>
           </a:p>
@@ -3495,8 +3496,13 @@
             </a:r>
             <a:r>
               <a:rPr lang="en-US" dirty="0"/>
-              <a:t> repo</a:t>
-            </a:r>
+              <a:t> repo for </a:t>
+            </a:r>
+            <a:r>
+              <a:rPr lang="en-US" dirty="0" err="1"/>
+              <a:t>gitpages</a:t>
+            </a:r>
+            <a:endParaRPr lang="en-US" dirty="0"/>
           </a:p>
         </p:txBody>
       </p:sp>
@@ -3523,7 +3529,9 @@
           </a:xfrm>
         </p:spPr>
         <p:txBody>
-          <a:bodyPr/>
+          <a:bodyPr>
+            <a:normAutofit/>
+          </a:bodyPr>
           <a:lstStyle/>
           <a:p>
             <a:pPr marL="0" indent="0">
@@ -3545,7 +3553,7 @@
               <a:rPr lang="en-US" dirty="0">
                 <a:hlinkClick r:id="rId2"/>
               </a:rPr>
-              <a:t>https://github.com/wonder-phil/UEMCON-2025</a:t>
+              <a:t>https://github.com/wonder-phil/wonder-phil.github.io.git</a:t>
             </a:r>
             <a:endParaRPr lang="en-US" dirty="0"/>
           </a:p>
@@ -3561,7 +3569,7 @@
             </a:pPr>
             <a:r>
               <a:rPr lang="en-US" dirty="0"/>
-              <a:t>Computer&gt; </a:t>
+              <a:t>&gt; </a:t>
             </a:r>
             <a:r>
               <a:rPr lang="en-US" dirty="0">
@@ -3575,9 +3583,32 @@
               <a:rPr lang="en-US" dirty="0">
                 <a:hlinkClick r:id="rId3"/>
               </a:rPr>
-              <a:t>https://github.com/wonder-phil/UEMCON-2025</a:t>
+              <a:t>https://github.com/wonder-phil/</a:t>
+            </a:r>
+            <a:r>
+              <a:rPr lang="en-US" dirty="0">
+                <a:hlinkClick r:id="rId2"/>
+              </a:rPr>
+              <a:t>wonder-phil.github.io.git</a:t>
             </a:r>
             <a:endParaRPr lang="en-US" dirty="0"/>
+          </a:p>
+          <a:p>
+            <a:pPr marL="0" indent="0">
+              <a:buNone/>
+            </a:pPr>
+            <a:r>
+              <a:rPr lang="en-US" dirty="0"/>
+              <a:t>        </a:t>
+            </a:r>
+            <a:r>
+              <a:rPr lang="en-US" dirty="0">
+                <a:solidFill>
+                  <a:srgbClr val="FF0000"/>
+                </a:solidFill>
+              </a:rPr>
+              <a:t>YOUR_REPO</a:t>
+            </a:r>
           </a:p>
           <a:p>
             <a:pPr marL="0" indent="0">
@@ -3593,40 +3624,30 @@
             <a:pPr marL="0" indent="0">
               <a:buNone/>
             </a:pPr>
-            <a:endParaRPr lang="en-US" dirty="0">
-              <a:solidFill>
-                <a:srgbClr val="FF0000"/>
-              </a:solidFill>
-            </a:endParaRPr>
-          </a:p>
-          <a:p>
-            <a:pPr marL="0" indent="0">
-              <a:buNone/>
-            </a:pPr>
             <a:r>
               <a:rPr lang="en-US" dirty="0">
                 <a:solidFill>
                   <a:srgbClr val="FF0000"/>
                 </a:solidFill>
-                <a:hlinkClick r:id="rId4"/>
               </a:rPr>
-              <a:t>https://glitch.com/</a:t>
-            </a:r>
-            <a:endParaRPr lang="en-US" dirty="0">
-              <a:solidFill>
-                <a:srgbClr val="FF0000"/>
-              </a:solidFill>
-            </a:endParaRPr>
-          </a:p>
-          <a:p>
-            <a:pPr marL="0" indent="0">
-              <a:buNone/>
-            </a:pPr>
-            <a:endParaRPr lang="en-US" dirty="0">
-              <a:solidFill>
-                <a:srgbClr val="FF0000"/>
-              </a:solidFill>
-            </a:endParaRPr>
+              <a:t>Create YOUR_REPO in your </a:t>
+            </a:r>
+            <a:r>
+              <a:rPr lang="en-US" dirty="0" err="1">
+                <a:solidFill>
+                  <a:srgbClr val="FF0000"/>
+                </a:solidFill>
+              </a:rPr>
+              <a:t>github</a:t>
+            </a:r>
+            <a:r>
+              <a:rPr lang="en-US" dirty="0">
+                <a:solidFill>
+                  <a:srgbClr val="FF0000"/>
+                </a:solidFill>
+              </a:rPr>
+              <a:t> account</a:t>
+            </a:r>
           </a:p>
         </p:txBody>
       </p:sp>
@@ -3648,6 +3669,231 @@
   <p:cSld>
     <p:spTree>
       <p:nvGrpSpPr>
+        <p:cNvPr id="1" name="">
+          <a:extLst>
+            <a:ext uri="{FF2B5EF4-FFF2-40B4-BE49-F238E27FC236}">
+              <a16:creationId xmlns:a16="http://schemas.microsoft.com/office/drawing/2014/main" id="{532CFCC8-82A6-B8D0-6608-135AABAC7F99}"/>
+            </a:ext>
+          </a:extLst>
+        </p:cNvPr>
+        <p:cNvGrpSpPr/>
+        <p:nvPr/>
+      </p:nvGrpSpPr>
+      <p:grpSpPr>
+        <a:xfrm>
+          <a:off x="0" y="0"/>
+          <a:ext cx="0" cy="0"/>
+          <a:chOff x="0" y="0"/>
+          <a:chExt cx="0" cy="0"/>
+        </a:xfrm>
+      </p:grpSpPr>
+      <p:sp>
+        <p:nvSpPr>
+          <p:cNvPr id="2" name="Title 1">
+            <a:extLst>
+              <a:ext uri="{FF2B5EF4-FFF2-40B4-BE49-F238E27FC236}">
+                <a16:creationId xmlns:a16="http://schemas.microsoft.com/office/drawing/2014/main" id="{A80B2B60-A61E-7F68-EEC8-28219CC73DAF}"/>
+              </a:ext>
+            </a:extLst>
+          </p:cNvPr>
+          <p:cNvSpPr>
+            <a:spLocks noGrp="1"/>
+          </p:cNvSpPr>
+          <p:nvPr>
+            <p:ph type="title"/>
+          </p:nvPr>
+        </p:nvSpPr>
+        <p:spPr/>
+        <p:txBody>
+          <a:bodyPr/>
+          <a:lstStyle/>
+          <a:p>
+            <a:r>
+              <a:rPr lang="en-US" dirty="0" err="1"/>
+              <a:t>Github</a:t>
+            </a:r>
+            <a:r>
+              <a:rPr lang="en-US" dirty="0"/>
+              <a:t> repo for </a:t>
+            </a:r>
+            <a:r>
+              <a:rPr lang="en-US" dirty="0" err="1"/>
+              <a:t>gitpages</a:t>
+            </a:r>
+            <a:endParaRPr lang="en-US" dirty="0"/>
+          </a:p>
+        </p:txBody>
+      </p:sp>
+      <p:sp>
+        <p:nvSpPr>
+          <p:cNvPr id="3" name="Content Placeholder 2">
+            <a:extLst>
+              <a:ext uri="{FF2B5EF4-FFF2-40B4-BE49-F238E27FC236}">
+                <a16:creationId xmlns:a16="http://schemas.microsoft.com/office/drawing/2014/main" id="{6ACA51ED-912B-0BD4-2C7D-C0F2B35310D2}"/>
+              </a:ext>
+            </a:extLst>
+          </p:cNvPr>
+          <p:cNvSpPr>
+            <a:spLocks noGrp="1"/>
+          </p:cNvSpPr>
+          <p:nvPr>
+            <p:ph idx="1"/>
+          </p:nvPr>
+        </p:nvSpPr>
+        <p:spPr>
+          <a:xfrm>
+            <a:off x="278476" y="1825625"/>
+            <a:ext cx="11567160" cy="4351338"/>
+          </a:xfrm>
+        </p:spPr>
+        <p:txBody>
+          <a:bodyPr>
+            <a:normAutofit fontScale="92500" lnSpcReduction="20000"/>
+          </a:bodyPr>
+          <a:lstStyle/>
+          <a:p>
+            <a:pPr marL="0" indent="0">
+              <a:buNone/>
+            </a:pPr>
+            <a:endParaRPr lang="en-US" dirty="0"/>
+          </a:p>
+          <a:p>
+            <a:pPr marL="0" indent="0">
+              <a:buNone/>
+            </a:pPr>
+            <a:r>
+              <a:rPr lang="en-US" dirty="0"/>
+              <a:t>rm –rf  .git</a:t>
+            </a:r>
+          </a:p>
+          <a:p>
+            <a:pPr marL="0" indent="0">
+              <a:buNone/>
+            </a:pPr>
+            <a:r>
+              <a:rPr lang="en-US" dirty="0"/>
+              <a:t>git </a:t>
+            </a:r>
+            <a:r>
+              <a:rPr lang="en-US" dirty="0" err="1"/>
+              <a:t>init</a:t>
+            </a:r>
+            <a:endParaRPr lang="en-US" dirty="0"/>
+          </a:p>
+          <a:p>
+            <a:pPr marL="0" indent="0">
+              <a:buNone/>
+            </a:pPr>
+            <a:r>
+              <a:rPr lang="en-US" dirty="0"/>
+              <a:t>git add .</a:t>
+            </a:r>
+          </a:p>
+          <a:p>
+            <a:pPr marL="0" indent="0">
+              <a:buNone/>
+            </a:pPr>
+            <a:r>
+              <a:rPr lang="en-US" dirty="0"/>
+              <a:t>git commit -m “</a:t>
+            </a:r>
+            <a:r>
+              <a:rPr lang="en-US" dirty="0" err="1"/>
+              <a:t>init</a:t>
+            </a:r>
+            <a:r>
+              <a:rPr lang="en-US" dirty="0"/>
+              <a:t> </a:t>
+            </a:r>
+            <a:r>
+              <a:rPr lang="en-US" dirty="0" err="1"/>
+              <a:t>github</a:t>
+            </a:r>
+            <a:r>
+              <a:rPr lang="en-US" dirty="0"/>
+              <a:t> pages"</a:t>
+            </a:r>
+          </a:p>
+          <a:p>
+            <a:pPr marL="0" indent="0">
+              <a:buNone/>
+            </a:pPr>
+            <a:endParaRPr lang="en-US" dirty="0"/>
+          </a:p>
+          <a:p>
+            <a:pPr marL="0" indent="0">
+              <a:buNone/>
+            </a:pPr>
+            <a:r>
+              <a:rPr lang="en-US" dirty="0"/>
+              <a:t>Push to YOUR_REPO</a:t>
+            </a:r>
+          </a:p>
+          <a:p>
+            <a:pPr marL="0" indent="0">
+              <a:buNone/>
+            </a:pPr>
+            <a:r>
+              <a:rPr lang="en-US" dirty="0"/>
+              <a:t>git remote add origin </a:t>
+            </a:r>
+            <a:r>
+              <a:rPr lang="en-US" dirty="0" err="1"/>
+              <a:t>git@github.com:YOUR_USER</a:t>
+            </a:r>
+            <a:r>
+              <a:rPr lang="en-US" dirty="0"/>
+              <a:t>/</a:t>
+            </a:r>
+            <a:r>
+              <a:rPr lang="en-US" dirty="0" err="1"/>
+              <a:t>YOUR_REPO.git</a:t>
+            </a:r>
+            <a:endParaRPr lang="en-US" dirty="0"/>
+          </a:p>
+          <a:p>
+            <a:pPr marL="0" indent="0">
+              <a:buNone/>
+            </a:pPr>
+            <a:r>
+              <a:rPr lang="en-US" dirty="0"/>
+              <a:t>git branch -M main</a:t>
+            </a:r>
+          </a:p>
+          <a:p>
+            <a:pPr marL="0" indent="0">
+              <a:buNone/>
+            </a:pPr>
+            <a:r>
+              <a:rPr lang="en-US" dirty="0"/>
+              <a:t>git push -u origin main</a:t>
+            </a:r>
+            <a:endParaRPr lang="en-US" dirty="0">
+              <a:solidFill>
+                <a:srgbClr val="FF0000"/>
+              </a:solidFill>
+            </a:endParaRPr>
+          </a:p>
+        </p:txBody>
+      </p:sp>
+    </p:spTree>
+    <p:extLst>
+      <p:ext uri="{BB962C8B-B14F-4D97-AF65-F5344CB8AC3E}">
+        <p14:creationId xmlns:p14="http://schemas.microsoft.com/office/powerpoint/2010/main" val="1577190564"/>
+      </p:ext>
+    </p:extLst>
+  </p:cSld>
+  <p:clrMapOvr>
+    <a:masterClrMapping/>
+  </p:clrMapOvr>
+</p:sld>
+</file>
+
+<file path=ppt/slides/slide4.xml><?xml version="1.0" encoding="utf-8"?>
+<p:sld xmlns:a="http://schemas.openxmlformats.org/drawingml/2006/main" xmlns:r="http://schemas.openxmlformats.org/officeDocument/2006/relationships" xmlns:p="http://schemas.openxmlformats.org/presentationml/2006/main">
+  <p:cSld>
+    <p:spTree>
+      <p:nvGrpSpPr>
         <p:cNvPr id="1" name=""/>
         <p:cNvGrpSpPr/>
         <p:nvPr/>
@@ -3683,7 +3929,7 @@
           <a:p>
             <a:r>
               <a:rPr lang="en-US" dirty="0"/>
-              <a:t>Web Glitch A-Frame library</a:t>
+              <a:t>Web A-Frame library</a:t>
             </a:r>
           </a:p>
         </p:txBody>
@@ -3731,7 +3977,7 @@
 </p:sld>
 </file>
 
-<file path=ppt/slides/slide4.xml><?xml version="1.0" encoding="utf-8"?>
+<file path=ppt/slides/slide5.xml><?xml version="1.0" encoding="utf-8"?>
 <p:sld xmlns:a="http://schemas.openxmlformats.org/drawingml/2006/main" xmlns:r="http://schemas.openxmlformats.org/officeDocument/2006/relationships" xmlns:p="http://schemas.openxmlformats.org/presentationml/2006/main">
   <p:cSld>
     <p:spTree>
